--- a/lectures/lecture-22/Lecture-Live A00/Lecture 22 - Lecture.pptx
+++ b/lectures/lecture-22/Lecture-Live A00/Lecture 22 - Lecture.pptx
@@ -142,6 +142,70 @@
     </p:ext>
   </p:extLst>
 </p:presentation>
+</file>
+
+<file path=ppt/ink/ink1.xml><?xml version="1.0" encoding="utf-8"?>
+<inkml:ink xmlns:inkml="http://www.w3.org/2003/InkML">
+  <inkml:definitions>
+    <inkml:context xml:id="ctx0">
+      <inkml:inkSource xml:id="inkSrc0">
+        <inkml:traceFormat>
+          <inkml:channel name="X" type="integer" min="-2.14748E9" max="2.14748E9" units="cm"/>
+          <inkml:channel name="Y" type="integer" min="-2.14748E9" max="2.14748E9" units="cm"/>
+          <inkml:channel name="F" type="integer" max="32767" units="dev"/>
+          <inkml:channel name="OA" type="integer" max="360" units="deg"/>
+          <inkml:channel name="OE" type="integer" max="90" units="deg"/>
+        </inkml:traceFormat>
+        <inkml:channelProperties>
+          <inkml:channelProperty channel="X" name="resolution" value="1000" units="1/cm"/>
+          <inkml:channelProperty channel="Y" name="resolution" value="1000" units="1/cm"/>
+          <inkml:channelProperty channel="F" name="resolution" value="0" units="1/dev"/>
+          <inkml:channelProperty channel="OA" name="resolution" value="1000" units="1/deg"/>
+          <inkml:channelProperty channel="OE" name="resolution" value="1000" units="1/deg"/>
+        </inkml:channelProperties>
+      </inkml:inkSource>
+      <inkml:timestamp xml:id="ts0" timeString="2020-11-30T17:00:35.182"/>
+    </inkml:context>
+    <inkml:brush xml:id="br0">
+      <inkml:brushProperty name="width" value="0.05" units="cm"/>
+      <inkml:brushProperty name="height" value="0.05" units="cm"/>
+      <inkml:brushProperty name="color" value="#004F8B"/>
+    </inkml:brush>
+  </inkml:definitions>
+  <inkml:trace contextRef="#ctx0" brushRef="#br0">40 0 6912 0 0,'-40'13'15790'0'0,"41"-12"-15705"0"0,0-1-1 0 0,0 1 1 0 0,0-1-1 0 0,0 1 1 0 0,0-1-1 0 0,0 1 1 0 0,0-1 0 0 0,0 0-1 0 0,0 0 1 0 0,0 1-1 0 0,0-1 1 0 0,0 0-1 0 0,0 0 1 0 0,0 0 0 0 0,0 0-1 0 0,0 0 1 0 0,0 0-1 0 0,0 0 1 0 0,0-1-1 0 0,0 1 1 0 0,0 0 0 0 0,0-1-1 0 0,0 1 1 0 0,0 0-1 0 0,0-1 1 0 0,0 1-1 0 0,1-2 1 0 0,0 1-8 0 0,-1 0 0 0 0,1 0 0 0 0,0 1 0 0 0,-1-1-1 0 0,1 0 1 0 0,0 1 0 0 0,-1-1 0 0 0,1 1 0 0 0,0 0 0 0 0,0 0 0 0 0,2-1 0 0 0,2 0 88 0 0,10 0 81 0 0,0-1 0 0 0,0 2 0 0 0,27 2 0 0 0,49 11 250 0 0,-85-12-447 0 0,157 22 972 0 0,279 4 1 0 0,-358-27-593 0 0,90 12 0 0 0,-151-9-312 0 0,-12-2-41 0 0,-1 0 0 0 0,0 0 1 0 0,0 2-1 0 0,1-1 0 0 0,-2 1 0 0 0,1 1 0 0 0,13 6 0 0 0,-23-10 62 0 0,-10-10-783 0 0,0-7-2098 0 0,4 12 1382 0 0</inkml:trace>
+</inkml:ink>
+</file>
+
+<file path=ppt/ink/ink2.xml><?xml version="1.0" encoding="utf-8"?>
+<inkml:ink xmlns:inkml="http://www.w3.org/2003/InkML">
+  <inkml:definitions>
+    <inkml:context xml:id="ctx0">
+      <inkml:inkSource xml:id="inkSrc0">
+        <inkml:traceFormat>
+          <inkml:channel name="X" type="integer" min="-2.14748E9" max="2.14748E9" units="cm"/>
+          <inkml:channel name="Y" type="integer" min="-2.14748E9" max="2.14748E9" units="cm"/>
+          <inkml:channel name="F" type="integer" max="32767" units="dev"/>
+          <inkml:channel name="OA" type="integer" max="360" units="deg"/>
+          <inkml:channel name="OE" type="integer" max="90" units="deg"/>
+        </inkml:traceFormat>
+        <inkml:channelProperties>
+          <inkml:channelProperty channel="X" name="resolution" value="1000" units="1/cm"/>
+          <inkml:channelProperty channel="Y" name="resolution" value="1000" units="1/cm"/>
+          <inkml:channelProperty channel="F" name="resolution" value="0" units="1/dev"/>
+          <inkml:channelProperty channel="OA" name="resolution" value="1000" units="1/deg"/>
+          <inkml:channelProperty channel="OE" name="resolution" value="1000" units="1/deg"/>
+        </inkml:channelProperties>
+      </inkml:inkSource>
+      <inkml:timestamp xml:id="ts0" timeString="2020-11-30T17:00:43.962"/>
+    </inkml:context>
+    <inkml:brush xml:id="br0">
+      <inkml:brushProperty name="width" value="0.05" units="cm"/>
+      <inkml:brushProperty name="height" value="0.05" units="cm"/>
+      <inkml:brushProperty name="color" value="#004F8B"/>
+    </inkml:brush>
+  </inkml:definitions>
+  <inkml:trace contextRef="#ctx0" brushRef="#br0">30 5 2304 0 0,'-6'12'389'0'0,"-18"4"16431"0"0,29-17-17422 0 0,16-3 1362 0 0,1 0-1 0 0,-1 2 0 0 0,24-1 1 0 0,66 6 394 0 0,85 15 137 0 0,321-2 578 0 0,-237-10-1131 0 0,-119-5-301 0 0,271-7 668 0 0,-89-6-90 0 0,-211 11-604 0 0,-8 0 27 0 0,-5-8 71 0 0,-113 8-493 0 0,1-1-1 0 0,-1 0 0 0 0,10-4 0 0 0,-6 3-9 0 0,-5 0-6 0 0,13-12-3425 0 0,-16 13 2761 0 0</inkml:trace>
+</inkml:ink>
 </file>
 
 <file path=ppt/notesMasters/notesMaster1.xml><?xml version="1.0" encoding="utf-8"?>
@@ -836,7 +900,7 @@
           <a:p>
             <a:fld id="{3A2BF66F-FEB0-48C1-A8B9-A73F54BB1A08}" type="datetimeFigureOut">
               <a:rPr lang="en-US" smtClean="0"/>
-              <a:t>11/29/2020</a:t>
+              <a:t>11/30/2020</a:t>
             </a:fld>
             <a:endParaRPr lang="en-US"/>
           </a:p>
@@ -1036,7 +1100,7 @@
           <a:p>
             <a:fld id="{3A2BF66F-FEB0-48C1-A8B9-A73F54BB1A08}" type="datetimeFigureOut">
               <a:rPr lang="en-US" smtClean="0"/>
-              <a:t>11/29/2020</a:t>
+              <a:t>11/30/2020</a:t>
             </a:fld>
             <a:endParaRPr lang="en-US"/>
           </a:p>
@@ -1246,7 +1310,7 @@
           <a:p>
             <a:fld id="{3A2BF66F-FEB0-48C1-A8B9-A73F54BB1A08}" type="datetimeFigureOut">
               <a:rPr lang="en-US" smtClean="0"/>
-              <a:t>11/29/2020</a:t>
+              <a:t>11/30/2020</a:t>
             </a:fld>
             <a:endParaRPr lang="en-US"/>
           </a:p>
@@ -1446,7 +1510,7 @@
           <a:p>
             <a:fld id="{3A2BF66F-FEB0-48C1-A8B9-A73F54BB1A08}" type="datetimeFigureOut">
               <a:rPr lang="en-US" smtClean="0"/>
-              <a:t>11/29/2020</a:t>
+              <a:t>11/30/2020</a:t>
             </a:fld>
             <a:endParaRPr lang="en-US"/>
           </a:p>
@@ -1723,7 +1787,7 @@
           <a:p>
             <a:fld id="{3A2BF66F-FEB0-48C1-A8B9-A73F54BB1A08}" type="datetimeFigureOut">
               <a:rPr lang="en-US" smtClean="0"/>
-              <a:t>11/29/2020</a:t>
+              <a:t>11/30/2020</a:t>
             </a:fld>
             <a:endParaRPr lang="en-US"/>
           </a:p>
@@ -1990,7 +2054,7 @@
           <a:p>
             <a:fld id="{3A2BF66F-FEB0-48C1-A8B9-A73F54BB1A08}" type="datetimeFigureOut">
               <a:rPr lang="en-US" smtClean="0"/>
-              <a:t>11/29/2020</a:t>
+              <a:t>11/30/2020</a:t>
             </a:fld>
             <a:endParaRPr lang="en-US"/>
           </a:p>
@@ -2404,7 +2468,7 @@
           <a:p>
             <a:fld id="{3A2BF66F-FEB0-48C1-A8B9-A73F54BB1A08}" type="datetimeFigureOut">
               <a:rPr lang="en-US" smtClean="0"/>
-              <a:t>11/29/2020</a:t>
+              <a:t>11/30/2020</a:t>
             </a:fld>
             <a:endParaRPr lang="en-US"/>
           </a:p>
@@ -2547,7 +2611,7 @@
           <a:p>
             <a:fld id="{3A2BF66F-FEB0-48C1-A8B9-A73F54BB1A08}" type="datetimeFigureOut">
               <a:rPr lang="en-US" smtClean="0"/>
-              <a:t>11/29/2020</a:t>
+              <a:t>11/30/2020</a:t>
             </a:fld>
             <a:endParaRPr lang="en-US"/>
           </a:p>
@@ -2662,7 +2726,7 @@
           <a:p>
             <a:fld id="{3A2BF66F-FEB0-48C1-A8B9-A73F54BB1A08}" type="datetimeFigureOut">
               <a:rPr lang="en-US" smtClean="0"/>
-              <a:t>11/29/2020</a:t>
+              <a:t>11/30/2020</a:t>
             </a:fld>
             <a:endParaRPr lang="en-US"/>
           </a:p>
@@ -2974,7 +3038,7 @@
           <a:p>
             <a:fld id="{3A2BF66F-FEB0-48C1-A8B9-A73F54BB1A08}" type="datetimeFigureOut">
               <a:rPr lang="en-US" smtClean="0"/>
-              <a:t>11/29/2020</a:t>
+              <a:t>11/30/2020</a:t>
             </a:fld>
             <a:endParaRPr lang="en-US"/>
           </a:p>
@@ -3264,7 +3328,7 @@
           <a:p>
             <a:fld id="{3A2BF66F-FEB0-48C1-A8B9-A73F54BB1A08}" type="datetimeFigureOut">
               <a:rPr lang="en-US" smtClean="0"/>
-              <a:t>11/29/2020</a:t>
+              <a:t>11/30/2020</a:t>
             </a:fld>
             <a:endParaRPr lang="en-US"/>
           </a:p>
@@ -3507,7 +3571,7 @@
           <a:p>
             <a:fld id="{3A2BF66F-FEB0-48C1-A8B9-A73F54BB1A08}" type="datetimeFigureOut">
               <a:rPr lang="en-US" smtClean="0"/>
-              <a:t>11/29/2020</a:t>
+              <a:t>11/30/2020</a:t>
             </a:fld>
             <a:endParaRPr lang="en-US"/>
           </a:p>
@@ -4126,15 +4190,7 @@
           <a:p>
             <a:r>
               <a:rPr lang="en-US" dirty="0"/>
-              <a:t>Quiz 22 due </a:t>
-            </a:r>
-            <a:r>
-              <a:rPr lang="en-US" dirty="0" err="1"/>
-              <a:t>Wednes</a:t>
-            </a:r>
-            <a:r>
-              <a:rPr lang="en-US" dirty="0"/>
-              <a:t>, December 2</a:t>
+              <a:t>Quiz 22 due Wednesday, December 2</a:t>
             </a:r>
             <a:r>
               <a:rPr lang="en-US" baseline="30000" dirty="0"/>
@@ -4186,6 +4242,57 @@
           </a:p>
         </p:txBody>
       </p:sp>
+      <mc:AlternateContent xmlns:mc="http://schemas.openxmlformats.org/markup-compatibility/2006">
+        <mc:Choice xmlns:p14="http://schemas.microsoft.com/office/powerpoint/2010/main" Requires="p14">
+          <p:contentPart p14:bwMode="auto" r:id="rId2">
+            <p14:nvContentPartPr>
+              <p14:cNvPr id="4" name="Ink 3">
+                <a:extLst>
+                  <a:ext uri="{FF2B5EF4-FFF2-40B4-BE49-F238E27FC236}">
+                    <a16:creationId xmlns:a16="http://schemas.microsoft.com/office/drawing/2014/main" id="{705055D5-ED49-4601-95B3-F6D66D1B254F}"/>
+                  </a:ext>
+                </a:extLst>
+              </p14:cNvPr>
+              <p14:cNvContentPartPr/>
+              <p14:nvPr/>
+            </p14:nvContentPartPr>
+            <p14:xfrm>
+              <a:off x="841609" y="2634379"/>
+              <a:ext cx="447480" cy="39240"/>
+            </p14:xfrm>
+          </p:contentPart>
+        </mc:Choice>
+        <mc:Fallback>
+          <p:pic>
+            <p:nvPicPr>
+              <p:cNvPr id="4" name="Ink 3">
+                <a:extLst>
+                  <a:ext uri="{FF2B5EF4-FFF2-40B4-BE49-F238E27FC236}">
+                    <a16:creationId xmlns:a16="http://schemas.microsoft.com/office/drawing/2014/main" id="{705055D5-ED49-4601-95B3-F6D66D1B254F}"/>
+                  </a:ext>
+                </a:extLst>
+              </p:cNvPr>
+              <p:cNvPicPr/>
+              <p:nvPr/>
+            </p:nvPicPr>
+            <p:blipFill>
+              <a:blip r:embed="rId3"/>
+              <a:stretch>
+                <a:fillRect/>
+              </a:stretch>
+            </p:blipFill>
+            <p:spPr>
+              <a:xfrm>
+                <a:off x="832609" y="2625379"/>
+                <a:ext cx="465120" cy="56880"/>
+              </a:xfrm>
+              <a:prstGeom prst="rect">
+                <a:avLst/>
+              </a:prstGeom>
+            </p:spPr>
+          </p:pic>
+        </mc:Fallback>
+      </mc:AlternateContent>
     </p:spTree>
     <p:extLst>
       <p:ext uri="{BB962C8B-B14F-4D97-AF65-F5344CB8AC3E}">
@@ -4281,6 +4388,57 @@
           </a:p>
         </p:txBody>
       </p:sp>
+      <mc:AlternateContent xmlns:mc="http://schemas.openxmlformats.org/markup-compatibility/2006">
+        <mc:Choice xmlns:p14="http://schemas.microsoft.com/office/powerpoint/2010/main" Requires="p14">
+          <p:contentPart p14:bwMode="auto" r:id="rId2">
+            <p14:nvContentPartPr>
+              <p14:cNvPr id="4" name="Ink 3">
+                <a:extLst>
+                  <a:ext uri="{FF2B5EF4-FFF2-40B4-BE49-F238E27FC236}">
+                    <a16:creationId xmlns:a16="http://schemas.microsoft.com/office/drawing/2014/main" id="{16490B4F-B5FF-486F-B8D7-7B80AE1C1539}"/>
+                  </a:ext>
+                </a:extLst>
+              </p14:cNvPr>
+              <p14:cNvContentPartPr/>
+              <p14:nvPr/>
+            </p14:nvContentPartPr>
+            <p14:xfrm>
+              <a:off x="838729" y="1750579"/>
+              <a:ext cx="935640" cy="23040"/>
+            </p14:xfrm>
+          </p:contentPart>
+        </mc:Choice>
+        <mc:Fallback>
+          <p:pic>
+            <p:nvPicPr>
+              <p:cNvPr id="4" name="Ink 3">
+                <a:extLst>
+                  <a:ext uri="{FF2B5EF4-FFF2-40B4-BE49-F238E27FC236}">
+                    <a16:creationId xmlns:a16="http://schemas.microsoft.com/office/drawing/2014/main" id="{16490B4F-B5FF-486F-B8D7-7B80AE1C1539}"/>
+                  </a:ext>
+                </a:extLst>
+              </p:cNvPr>
+              <p:cNvPicPr/>
+              <p:nvPr/>
+            </p:nvPicPr>
+            <p:blipFill>
+              <a:blip r:embed="rId3"/>
+              <a:stretch>
+                <a:fillRect/>
+              </a:stretch>
+            </p:blipFill>
+            <p:spPr>
+              <a:xfrm>
+                <a:off x="829729" y="1741579"/>
+                <a:ext cx="953280" cy="40680"/>
+              </a:xfrm>
+              <a:prstGeom prst="rect">
+                <a:avLst/>
+              </a:prstGeom>
+            </p:spPr>
+          </p:pic>
+        </mc:Fallback>
+      </mc:AlternateContent>
     </p:spTree>
     <p:extLst>
       <p:ext uri="{BB962C8B-B14F-4D97-AF65-F5344CB8AC3E}">
